--- a/presentation/presentation.pptx
+++ b/presentation/presentation.pptx
@@ -223,7 +223,7 @@
           <a:p>
             <a:fld id="{34B11471-E27D-41DC-8943-5E89978E4C85}" type="datetimeFigureOut">
               <a:rPr lang="en-IE" smtClean="0"/>
-              <a:t>31/08/2016</a:t>
+              <a:t>01/09/2016</a:t>
             </a:fld>
             <a:endParaRPr lang="en-IE"/>
           </a:p>
@@ -630,7 +630,7 @@
           <a:p>
             <a:fld id="{32498B71-0AA7-4B7D-AF15-8D5019240C1B}" type="datetime1">
               <a:rPr lang="en-US" smtClean="0"/>
-              <a:t>8/31/2016</a:t>
+              <a:t>9/1/2016</a:t>
             </a:fld>
             <a:endParaRPr lang="en-US" dirty="0"/>
           </a:p>
@@ -846,7 +846,7 @@
           <a:p>
             <a:fld id="{75EB62A0-62E9-4D47-96C3-093333304DF5}" type="datetime1">
               <a:rPr lang="en-US" smtClean="0"/>
-              <a:t>8/31/2016</a:t>
+              <a:t>9/1/2016</a:t>
             </a:fld>
             <a:endParaRPr lang="en-US" dirty="0"/>
           </a:p>
@@ -1066,7 +1066,7 @@
           <a:p>
             <a:fld id="{298E8722-33A9-4A7A-81BA-9A641AF4398A}" type="datetime1">
               <a:rPr lang="en-US" smtClean="0"/>
-              <a:t>8/31/2016</a:t>
+              <a:t>9/1/2016</a:t>
             </a:fld>
             <a:endParaRPr lang="en-US" dirty="0"/>
           </a:p>
@@ -1272,7 +1272,7 @@
           <a:p>
             <a:fld id="{358C4389-4833-474E-9F54-B5910E16B03C}" type="datetime1">
               <a:rPr lang="en-US" smtClean="0"/>
-              <a:t>8/31/2016</a:t>
+              <a:t>9/1/2016</a:t>
             </a:fld>
             <a:endParaRPr lang="en-US" dirty="0"/>
           </a:p>
@@ -1556,7 +1556,7 @@
           <a:p>
             <a:fld id="{05A3C18D-DDC1-473B-AA89-A2C65066E120}" type="datetime1">
               <a:rPr lang="en-US" smtClean="0"/>
-              <a:t>8/31/2016</a:t>
+              <a:t>9/1/2016</a:t>
             </a:fld>
             <a:endParaRPr lang="en-US" dirty="0"/>
           </a:p>
@@ -1829,7 +1829,7 @@
           <a:p>
             <a:fld id="{653B31B9-D5CE-486D-B316-B4976629A622}" type="datetime1">
               <a:rPr lang="en-US" smtClean="0"/>
-              <a:t>8/31/2016</a:t>
+              <a:t>9/1/2016</a:t>
             </a:fld>
             <a:endParaRPr lang="en-US" dirty="0"/>
           </a:p>
@@ -2250,7 +2250,7 @@
           <a:p>
             <a:fld id="{AAEF26DC-6D9F-4C75-8422-93ED741B5A00}" type="datetime1">
               <a:rPr lang="en-US" smtClean="0"/>
-              <a:t>8/31/2016</a:t>
+              <a:t>9/1/2016</a:t>
             </a:fld>
             <a:endParaRPr lang="en-US" dirty="0"/>
           </a:p>
@@ -2404,7 +2404,7 @@
           <a:p>
             <a:fld id="{2EEB68D9-B836-47CA-9D2D-6D825B580750}" type="datetime1">
               <a:rPr lang="en-US" smtClean="0"/>
-              <a:t>8/31/2016</a:t>
+              <a:t>9/1/2016</a:t>
             </a:fld>
             <a:endParaRPr lang="en-US" dirty="0"/>
           </a:p>
@@ -2535,7 +2535,7 @@
           <a:p>
             <a:fld id="{C3AB5702-4D9B-48BE-8CBA-2488EA9EEB4B}" type="datetime1">
               <a:rPr lang="en-US" smtClean="0"/>
-              <a:t>8/31/2016</a:t>
+              <a:t>9/1/2016</a:t>
             </a:fld>
             <a:endParaRPr lang="en-US" dirty="0"/>
           </a:p>
@@ -2791,7 +2791,7 @@
           <a:p>
             <a:fld id="{8E6856AC-28E7-4462-A561-C65B02655263}" type="datetime1">
               <a:rPr lang="en-US" smtClean="0"/>
-              <a:t>8/31/2016</a:t>
+              <a:t>9/1/2016</a:t>
             </a:fld>
             <a:endParaRPr lang="en-US" dirty="0"/>
           </a:p>
@@ -3241,7 +3241,7 @@
           <a:p>
             <a:fld id="{37D9BCD7-B168-48E1-9465-1AE59E412DB1}" type="datetime1">
               <a:rPr lang="en-US" smtClean="0"/>
-              <a:t>8/31/2016</a:t>
+              <a:t>9/1/2016</a:t>
             </a:fld>
             <a:endParaRPr lang="en-US" dirty="0"/>
           </a:p>
@@ -3572,7 +3572,7 @@
           <a:p>
             <a:fld id="{65905BDE-8800-4676-99C5-CFE3F8E3D2A2}" type="datetime1">
               <a:rPr lang="en-US" smtClean="0"/>
-              <a:t>8/31/2016</a:t>
+              <a:t>9/1/2016</a:t>
             </a:fld>
             <a:endParaRPr lang="en-US" dirty="0"/>
           </a:p>
@@ -4354,8 +4354,8 @@
           </a:p>
         </p:txBody>
       </p:sp>
-      <mc:AlternateContent xmlns:mc="http://schemas.openxmlformats.org/markup-compatibility/2006">
-        <mc:Choice xmlns:a14="http://schemas.microsoft.com/office/drawing/2010/main" Requires="a14">
+      <mc:AlternateContent xmlns:mc="http://schemas.openxmlformats.org/markup-compatibility/2006" xmlns:a14="http://schemas.microsoft.com/office/drawing/2010/main">
+        <mc:Choice Requires="a14">
           <p:sp>
             <p:nvSpPr>
               <p:cNvPr id="3" name="Content Placeholder 2"/>
@@ -4525,7 +4525,7 @@
             </p:txBody>
           </p:sp>
         </mc:Choice>
-        <mc:Fallback>
+        <mc:Fallback xmlns="">
           <p:sp>
             <p:nvSpPr>
               <p:cNvPr id="3" name="Content Placeholder 2"/>
@@ -5075,13 +5075,7 @@
                       <a:rPr lang="en-IE" i="1">
                         <a:latin typeface="Cambria Math" panose="02040503050406030204" pitchFamily="18" charset="0"/>
                       </a:rPr>
-                      <m:t>+</m:t>
-                    </m:r>
-                    <m:r>
-                      <a:rPr lang="en-IE" i="1">
-                        <a:latin typeface="Cambria Math" panose="02040503050406030204" pitchFamily="18" charset="0"/>
-                      </a:rPr>
-                      <m:t>…+</m:t>
+                      <m:t>+…+</m:t>
                     </m:r>
                     <m:sSub>
                       <m:sSubPr>
@@ -5637,7 +5631,7 @@
                       <a:rPr lang="en-IE" b="0" i="1" smtClean="0">
                         <a:latin typeface="Cambria Math" panose="02040503050406030204" pitchFamily="18" charset="0"/>
                       </a:rPr>
-                      <m:t> ⇆ </m:t>
+                      <m:t>⇆</m:t>
                     </m:r>
                     <m:r>
                       <a:rPr lang="en-IE" b="0" i="1" smtClean="0">
@@ -5662,12 +5656,6 @@
                         <a:latin typeface="Cambria Math" panose="02040503050406030204" pitchFamily="18" charset="0"/>
                       </a:rPr>
                       <m:t>𝑥</m:t>
-                    </m:r>
-                    <m:r>
-                      <a:rPr lang="en-IE" i="1">
-                        <a:latin typeface="Cambria Math" panose="02040503050406030204" pitchFamily="18" charset="0"/>
-                      </a:rPr>
-                      <m:t> </m:t>
                     </m:r>
                     <m:r>
                       <a:rPr lang="en-IE" i="1" smtClean="0">
@@ -5931,8 +5919,8 @@
           </a:p>
         </p:txBody>
       </p:sp>
-      <mc:AlternateContent xmlns:mc="http://schemas.openxmlformats.org/markup-compatibility/2006">
-        <mc:Choice xmlns:a14="http://schemas.microsoft.com/office/drawing/2010/main" Requires="a14">
+      <mc:AlternateContent xmlns:mc="http://schemas.openxmlformats.org/markup-compatibility/2006" xmlns:a14="http://schemas.microsoft.com/office/drawing/2010/main">
+        <mc:Choice Requires="a14">
           <p:sp>
             <p:nvSpPr>
               <p:cNvPr id="3" name="Content Placeholder 2"/>
@@ -6398,7 +6386,7 @@
             </p:txBody>
           </p:sp>
         </mc:Choice>
-        <mc:Fallback>
+        <mc:Fallback xmlns="">
           <p:sp>
             <p:nvSpPr>
               <p:cNvPr id="3" name="Content Placeholder 2"/>
@@ -7374,7 +7362,15 @@
             <a:pPr lvl="1"/>
             <a:r>
               <a:rPr lang="en-IE" dirty="0"/>
-              <a:t>Re-test with 10 years news and stock data and compare results</a:t>
+              <a:t>Re-test </a:t>
+            </a:r>
+            <a:r>
+              <a:rPr lang="en-IE"/>
+              <a:t>with 10+ </a:t>
+            </a:r>
+            <a:r>
+              <a:rPr lang="en-IE" dirty="0"/>
+              <a:t>years news and stock data and compare results</a:t>
             </a:r>
           </a:p>
           <a:p>
